--- a/고양이 밈 게시판 프로젝트.pptx
+++ b/고양이 밈 게시판 프로젝트.pptx
@@ -6351,11 +6351,7 @@
             </a:pPr>
             <a:r>
               <a:rPr lang="ko-KR" altLang="en-US" sz="3600" dirty="0"/>
-              <a:t>회원가입 후 로그인 페이지로 </a:t>
-            </a:r>
-            <a:r>
-              <a:rPr lang="ko-KR" altLang="en-US" sz="3600" dirty="0"/>
-              <a:t>이동</a:t>
+              <a:t>회원가입 후 로그인 페이지로 이동</a:t>
             </a:r>
             <a:endParaRPr lang="en-US" altLang="ko-KR" sz="3600" dirty="0"/>
           </a:p>
@@ -6552,11 +6548,7 @@
             </a:r>
             <a:r>
               <a:rPr lang="ko-KR" altLang="en-US" sz="3600" dirty="0"/>
-              <a:t> 게시판으로 </a:t>
-            </a:r>
-            <a:r>
-              <a:rPr lang="ko-KR" altLang="en-US" sz="3600" dirty="0"/>
-              <a:t>이동</a:t>
+              <a:t> 게시판으로 이동</a:t>
             </a:r>
             <a:endParaRPr lang="en-US" altLang="ko-KR" sz="3600" dirty="0"/>
           </a:p>
@@ -6570,11 +6562,7 @@
           <a:p>
             <a:r>
               <a:rPr lang="ko-KR" altLang="en-US" sz="3600" dirty="0"/>
-              <a:t>폼 </a:t>
-            </a:r>
-            <a:r>
-              <a:rPr lang="ko-KR" altLang="en-US" sz="3600" dirty="0"/>
-              <a:t>필드</a:t>
+              <a:t>폼 필드</a:t>
             </a:r>
             <a:endParaRPr lang="en-US" altLang="ko-KR" sz="3600" dirty="0"/>
           </a:p>
@@ -6758,11 +6746,7 @@
             </a:pPr>
             <a:r>
               <a:rPr lang="ko-KR" altLang="en-US" sz="3600" dirty="0"/>
-              <a:t>이미지 파일과 텍스트 설명을 </a:t>
-            </a:r>
-            <a:r>
-              <a:rPr lang="ko-KR" altLang="en-US" sz="3600" dirty="0"/>
-              <a:t>입력</a:t>
+              <a:t>이미지 파일과 텍스트 설명을 입력</a:t>
             </a:r>
             <a:endParaRPr lang="en-US" altLang="ko-KR" sz="3600" dirty="0"/>
           </a:p>
@@ -6934,7 +6918,12 @@
             <p:ph idx="1"/>
           </p:nvPr>
         </p:nvSpPr>
-        <p:spPr/>
+        <p:spPr>
+          <a:xfrm>
+            <a:off x="685800" y="2194562"/>
+            <a:ext cx="11271738" cy="4024125"/>
+          </a:xfrm>
+        </p:spPr>
         <p:txBody>
           <a:bodyPr>
             <a:normAutofit/>
@@ -6943,11 +6932,7 @@
           <a:p>
             <a:r>
               <a:rPr lang="ko-KR" altLang="en-US" sz="3600" dirty="0"/>
-              <a:t>주요 </a:t>
-            </a:r>
-            <a:r>
-              <a:rPr lang="ko-KR" altLang="en-US" sz="3600" dirty="0"/>
-              <a:t>코드</a:t>
+              <a:t>주요 코드</a:t>
             </a:r>
             <a:endParaRPr lang="en-US" altLang="ko-KR" sz="3600" dirty="0"/>
           </a:p>
